--- a/docs/diagrams/ModelComponentClassDiagram.pptx
+++ b/docs/diagrams/ModelComponentClassDiagram.pptx
@@ -107,6 +107,22 @@
       </a:defRPr>
     </a:lvl9pPr>
   </p:defaultTextStyle>
+  <p:extLst>
+    <p:ext uri="{EFAFB233-063F-42B5-8137-9DF3F51BA10A}">
+      <p15:sldGuideLst xmlns:p15="http://schemas.microsoft.com/office/powerpoint/2012/main">
+        <p15:guide id="1" orient="horz" pos="1488">
+          <p15:clr>
+            <a:srgbClr val="A4A3A4"/>
+          </p15:clr>
+        </p15:guide>
+        <p15:guide id="2" pos="2880">
+          <p15:clr>
+            <a:srgbClr val="A4A3A4"/>
+          </p15:clr>
+        </p15:guide>
+      </p15:sldGuideLst>
+    </p:ext>
+  </p:extLst>
 </p:presentation>
 </file>
 
@@ -192,7 +208,7 @@
           <a:p>
             <a:fld id="{F5CC4B3F-88C1-4FFA-B1B6-F41C21DC6924}" type="datetimeFigureOut">
               <a:rPr lang="en-US" smtClean="0"/>
-              <a:t>11/19/2016</a:t>
+              <a:t>7/11/2017</a:t>
             </a:fld>
             <a:endParaRPr lang="en-US"/>
           </a:p>
@@ -641,7 +657,7 @@
           <a:p>
             <a:fld id="{78C97017-6FC3-485B-9764-EAC9E56C1D49}" type="datetimeFigureOut">
               <a:rPr lang="en-US" smtClean="0"/>
-              <a:t>11/19/2016</a:t>
+              <a:t>7/11/2017</a:t>
             </a:fld>
             <a:endParaRPr lang="en-US"/>
           </a:p>
@@ -811,7 +827,7 @@
           <a:p>
             <a:fld id="{78C97017-6FC3-485B-9764-EAC9E56C1D49}" type="datetimeFigureOut">
               <a:rPr lang="en-US" smtClean="0"/>
-              <a:t>11/19/2016</a:t>
+              <a:t>7/11/2017</a:t>
             </a:fld>
             <a:endParaRPr lang="en-US"/>
           </a:p>
@@ -991,7 +1007,7 @@
           <a:p>
             <a:fld id="{78C97017-6FC3-485B-9764-EAC9E56C1D49}" type="datetimeFigureOut">
               <a:rPr lang="en-US" smtClean="0"/>
-              <a:t>11/19/2016</a:t>
+              <a:t>7/11/2017</a:t>
             </a:fld>
             <a:endParaRPr lang="en-US"/>
           </a:p>
@@ -1161,7 +1177,7 @@
           <a:p>
             <a:fld id="{78C97017-6FC3-485B-9764-EAC9E56C1D49}" type="datetimeFigureOut">
               <a:rPr lang="en-US" smtClean="0"/>
-              <a:t>11/19/2016</a:t>
+              <a:t>7/11/2017</a:t>
             </a:fld>
             <a:endParaRPr lang="en-US"/>
           </a:p>
@@ -1407,7 +1423,7 @@
           <a:p>
             <a:fld id="{78C97017-6FC3-485B-9764-EAC9E56C1D49}" type="datetimeFigureOut">
               <a:rPr lang="en-US" smtClean="0"/>
-              <a:t>11/19/2016</a:t>
+              <a:t>7/11/2017</a:t>
             </a:fld>
             <a:endParaRPr lang="en-US"/>
           </a:p>
@@ -1695,7 +1711,7 @@
           <a:p>
             <a:fld id="{78C97017-6FC3-485B-9764-EAC9E56C1D49}" type="datetimeFigureOut">
               <a:rPr lang="en-US" smtClean="0"/>
-              <a:t>11/19/2016</a:t>
+              <a:t>7/11/2017</a:t>
             </a:fld>
             <a:endParaRPr lang="en-US"/>
           </a:p>
@@ -2117,7 +2133,7 @@
           <a:p>
             <a:fld id="{78C97017-6FC3-485B-9764-EAC9E56C1D49}" type="datetimeFigureOut">
               <a:rPr lang="en-US" smtClean="0"/>
-              <a:t>11/19/2016</a:t>
+              <a:t>7/11/2017</a:t>
             </a:fld>
             <a:endParaRPr lang="en-US"/>
           </a:p>
@@ -2235,7 +2251,7 @@
           <a:p>
             <a:fld id="{78C97017-6FC3-485B-9764-EAC9E56C1D49}" type="datetimeFigureOut">
               <a:rPr lang="en-US" smtClean="0"/>
-              <a:t>11/19/2016</a:t>
+              <a:t>7/11/2017</a:t>
             </a:fld>
             <a:endParaRPr lang="en-US"/>
           </a:p>
@@ -2330,7 +2346,7 @@
           <a:p>
             <a:fld id="{78C97017-6FC3-485B-9764-EAC9E56C1D49}" type="datetimeFigureOut">
               <a:rPr lang="en-US" smtClean="0"/>
-              <a:t>11/19/2016</a:t>
+              <a:t>7/11/2017</a:t>
             </a:fld>
             <a:endParaRPr lang="en-US"/>
           </a:p>
@@ -2607,7 +2623,7 @@
           <a:p>
             <a:fld id="{78C97017-6FC3-485B-9764-EAC9E56C1D49}" type="datetimeFigureOut">
               <a:rPr lang="en-US" smtClean="0"/>
-              <a:t>11/19/2016</a:t>
+              <a:t>7/11/2017</a:t>
             </a:fld>
             <a:endParaRPr lang="en-US"/>
           </a:p>
@@ -2860,7 +2876,7 @@
           <a:p>
             <a:fld id="{78C97017-6FC3-485B-9764-EAC9E56C1D49}" type="datetimeFigureOut">
               <a:rPr lang="en-US" smtClean="0"/>
-              <a:t>11/19/2016</a:t>
+              <a:t>7/11/2017</a:t>
             </a:fld>
             <a:endParaRPr lang="en-US"/>
           </a:p>
@@ -3073,7 +3089,7 @@
           <a:p>
             <a:fld id="{78C97017-6FC3-485B-9764-EAC9E56C1D49}" type="datetimeFigureOut">
               <a:rPr lang="en-US" smtClean="0"/>
-              <a:t>11/19/2016</a:t>
+              <a:t>7/11/2017</a:t>
             </a:fld>
             <a:endParaRPr lang="en-US"/>
           </a:p>
@@ -3456,8 +3472,8 @@
         </p:nvSpPr>
         <p:spPr>
           <a:xfrm>
-            <a:off x="1119865" y="1727200"/>
-            <a:ext cx="7490735" cy="2997200"/>
+            <a:off x="685800" y="609600"/>
+            <a:ext cx="7772400" cy="4114800"/>
           </a:xfrm>
           <a:prstGeom prst="roundRect">
             <a:avLst>
@@ -3517,7 +3533,7 @@
         </p:nvSpPr>
         <p:spPr>
           <a:xfrm>
-            <a:off x="2877180" y="3158440"/>
+            <a:off x="2478103" y="2991789"/>
             <a:ext cx="1093635" cy="346760"/>
           </a:xfrm>
           <a:prstGeom prst="rect">
@@ -3576,7 +3592,7 @@
         </p:nvSpPr>
         <p:spPr>
           <a:xfrm rot="16200000">
-            <a:off x="1683963" y="2868687"/>
+            <a:off x="1284886" y="2702036"/>
             <a:ext cx="1093635" cy="346760"/>
           </a:xfrm>
           <a:prstGeom prst="rect">
@@ -3637,7 +3653,7 @@
         </p:nvCxnSpPr>
         <p:spPr>
           <a:xfrm flipV="1">
-            <a:off x="6477000" y="3194131"/>
+            <a:off x="6077923" y="3027480"/>
             <a:ext cx="95385" cy="416514"/>
           </a:xfrm>
           <a:prstGeom prst="bentConnector2">
@@ -3678,7 +3694,7 @@
         </p:nvCxnSpPr>
         <p:spPr>
           <a:xfrm rot="5400000" flipH="1" flipV="1">
-            <a:off x="4360065" y="1080909"/>
+            <a:off x="3960988" y="914258"/>
             <a:ext cx="378691" cy="4637261"/>
           </a:xfrm>
           <a:prstGeom prst="bentConnector4">
@@ -3720,7 +3736,7 @@
         </p:nvSpPr>
         <p:spPr>
           <a:xfrm rot="16200000">
-            <a:off x="956202" y="2861202"/>
+            <a:off x="557125" y="2694551"/>
             <a:ext cx="1093635" cy="346760"/>
           </a:xfrm>
           <a:prstGeom prst="rect">
@@ -3790,7 +3806,7 @@
         </p:nvSpPr>
         <p:spPr>
           <a:xfrm rot="16200000">
-            <a:off x="1626910" y="2952291"/>
+            <a:off x="1227833" y="2785640"/>
             <a:ext cx="270504" cy="175523"/>
           </a:xfrm>
           <a:prstGeom prst="triangle">
@@ -3840,7 +3856,7 @@
         </p:nvCxnSpPr>
         <p:spPr>
           <a:xfrm>
-            <a:off x="2656370" y="3326536"/>
+            <a:off x="2257293" y="3159885"/>
             <a:ext cx="220810" cy="5284"/>
           </a:xfrm>
           <a:prstGeom prst="straightConnector1">
@@ -3878,7 +3894,7 @@
         </p:nvSpPr>
         <p:spPr>
           <a:xfrm rot="5400000" flipV="1">
-            <a:off x="6253986" y="3522883"/>
+            <a:off x="5854909" y="3356232"/>
             <a:ext cx="270504" cy="175523"/>
           </a:xfrm>
           <a:prstGeom prst="triangle">
@@ -3929,7 +3945,7 @@
         </p:nvCxnSpPr>
         <p:spPr>
           <a:xfrm>
-            <a:off x="910091" y="3040053"/>
+            <a:off x="511014" y="2873402"/>
             <a:ext cx="419548" cy="2860"/>
           </a:xfrm>
           <a:prstGeom prst="bentConnector3">
@@ -3974,7 +3990,7 @@
         </p:nvCxnSpPr>
         <p:spPr>
           <a:xfrm flipV="1">
-            <a:off x="1849924" y="3040052"/>
+            <a:off x="1450847" y="2873401"/>
             <a:ext cx="216105" cy="1"/>
           </a:xfrm>
           <a:prstGeom prst="line">
@@ -4013,7 +4029,7 @@
         </p:nvSpPr>
         <p:spPr>
           <a:xfrm>
-            <a:off x="2420322" y="3239846"/>
+            <a:off x="2021245" y="3073195"/>
             <a:ext cx="236048" cy="173380"/>
           </a:xfrm>
           <a:prstGeom prst="flowChartDecision">
@@ -4058,7 +4074,7 @@
         </p:nvSpPr>
         <p:spPr>
           <a:xfrm>
-            <a:off x="2879490" y="2627420"/>
+            <a:off x="2480413" y="2460769"/>
             <a:ext cx="1093635" cy="346760"/>
           </a:xfrm>
           <a:prstGeom prst="rect">
@@ -4096,7 +4112,7 @@
                   <a:srgbClr val="7030A0"/>
                 </a:solidFill>
               </a:rPr>
-              <a:t>AddressBook</a:t>
+              <a:t>TaskBook</a:t>
             </a:r>
             <a:endParaRPr lang="en-SG" sz="1050" dirty="0">
               <a:solidFill>
@@ -4117,7 +4133,7 @@
         </p:nvCxnSpPr>
         <p:spPr>
           <a:xfrm>
-            <a:off x="2658680" y="2795516"/>
+            <a:off x="2259603" y="2628865"/>
             <a:ext cx="220810" cy="5284"/>
           </a:xfrm>
           <a:prstGeom prst="straightConnector1">
@@ -4155,7 +4171,7 @@
         </p:nvSpPr>
         <p:spPr>
           <a:xfrm>
-            <a:off x="2422632" y="2708826"/>
+            <a:off x="2023555" y="2542175"/>
             <a:ext cx="236048" cy="173380"/>
           </a:xfrm>
           <a:prstGeom prst="flowChartDecision">
@@ -4200,7 +4216,7 @@
         </p:nvSpPr>
         <p:spPr>
           <a:xfrm>
-            <a:off x="4487017" y="2847371"/>
+            <a:off x="4087940" y="2680720"/>
             <a:ext cx="1156969" cy="346760"/>
           </a:xfrm>
           <a:prstGeom prst="rect">
@@ -4238,7 +4254,7 @@
                   <a:srgbClr val="7030A0"/>
                 </a:solidFill>
               </a:rPr>
-              <a:t>UniquePersonList</a:t>
+              <a:t>UniqueTaskList</a:t>
             </a:r>
             <a:endParaRPr lang="en-SG" sz="1050" dirty="0">
               <a:solidFill>
@@ -4256,7 +4272,7 @@
         </p:nvSpPr>
         <p:spPr>
           <a:xfrm>
-            <a:off x="3984303" y="2673991"/>
+            <a:off x="3585226" y="2507340"/>
             <a:ext cx="236048" cy="173380"/>
           </a:xfrm>
           <a:prstGeom prst="flowChartDecision">
@@ -4306,7 +4322,7 @@
         </p:nvCxnSpPr>
         <p:spPr>
           <a:xfrm>
-            <a:off x="4220351" y="2760681"/>
+            <a:off x="3821274" y="2594030"/>
             <a:ext cx="266666" cy="260070"/>
           </a:xfrm>
           <a:prstGeom prst="bentConnector3">
@@ -4344,7 +4360,7 @@
         </p:nvSpPr>
         <p:spPr>
           <a:xfrm>
-            <a:off x="4477328" y="2280569"/>
+            <a:off x="4078251" y="2113918"/>
             <a:ext cx="1156969" cy="346760"/>
           </a:xfrm>
           <a:prstGeom prst="rect">
@@ -4403,7 +4419,7 @@
         </p:nvCxnSpPr>
         <p:spPr>
           <a:xfrm flipV="1">
-            <a:off x="4220351" y="2453949"/>
+            <a:off x="3821274" y="2287298"/>
             <a:ext cx="256977" cy="306732"/>
           </a:xfrm>
           <a:prstGeom prst="bentConnector3">
@@ -4443,7 +4459,7 @@
         </p:nvSpPr>
         <p:spPr>
           <a:xfrm>
-            <a:off x="6313677" y="2858066"/>
+            <a:off x="5914600" y="2691415"/>
             <a:ext cx="708186" cy="346760"/>
           </a:xfrm>
           <a:prstGeom prst="rect">
@@ -4481,7 +4497,7 @@
                   <a:srgbClr val="7030A0"/>
                 </a:solidFill>
               </a:rPr>
-              <a:t>Person</a:t>
+              <a:t>Task</a:t>
             </a:r>
             <a:endParaRPr lang="en-SG" sz="1050" dirty="0">
               <a:solidFill>
@@ -4499,7 +4515,7 @@
         </p:nvSpPr>
         <p:spPr>
           <a:xfrm>
-            <a:off x="5643227" y="2943979"/>
+            <a:off x="5244150" y="2777328"/>
             <a:ext cx="236048" cy="173380"/>
           </a:xfrm>
           <a:prstGeom prst="flowChartDecision">
@@ -4547,7 +4563,7 @@
         </p:nvCxnSpPr>
         <p:spPr>
           <a:xfrm>
-            <a:off x="5879275" y="3030669"/>
+            <a:off x="5480198" y="2864018"/>
             <a:ext cx="434402" cy="777"/>
           </a:xfrm>
           <a:prstGeom prst="bentConnector3">
@@ -4585,7 +4601,7 @@
         </p:nvSpPr>
         <p:spPr>
           <a:xfrm>
-            <a:off x="5336105" y="1809332"/>
+            <a:off x="4937028" y="1642681"/>
             <a:ext cx="483700" cy="346760"/>
           </a:xfrm>
           <a:prstGeom prst="rect">
@@ -4641,7 +4657,7 @@
         </p:nvSpPr>
         <p:spPr>
           <a:xfrm rot="16200000">
-            <a:off x="4921666" y="2066540"/>
+            <a:off x="4522589" y="1899889"/>
             <a:ext cx="236048" cy="173380"/>
           </a:xfrm>
           <a:prstGeom prst="flowChartDecision">
@@ -4689,7 +4705,7 @@
         </p:nvCxnSpPr>
         <p:spPr>
           <a:xfrm rot="5400000" flipH="1" flipV="1">
-            <a:off x="5161650" y="1860752"/>
+            <a:off x="4762573" y="1694101"/>
             <a:ext cx="52494" cy="296415"/>
           </a:xfrm>
           <a:prstGeom prst="bentConnector2">
@@ -4727,7 +4743,7 @@
         </p:nvSpPr>
         <p:spPr>
           <a:xfrm>
-            <a:off x="5128257" y="3429000"/>
+            <a:off x="4729180" y="3262349"/>
             <a:ext cx="1156969" cy="346760"/>
           </a:xfrm>
           <a:prstGeom prst="rect">
@@ -4780,7 +4796,7 @@
                   <a:srgbClr val="7030A0"/>
                 </a:solidFill>
               </a:rPr>
-              <a:t>ReadOnlyPerson</a:t>
+              <a:t>ReadOnlyTask</a:t>
             </a:r>
             <a:endParaRPr lang="en-SG" sz="1050" dirty="0">
               <a:solidFill>
@@ -4798,7 +4814,7 @@
         </p:nvSpPr>
         <p:spPr>
           <a:xfrm>
-            <a:off x="7712397" y="2564238"/>
+            <a:off x="6835614" y="802684"/>
             <a:ext cx="708186" cy="285783"/>
           </a:xfrm>
           <a:prstGeom prst="rect">
@@ -4846,68 +4862,20 @@
           </a:p>
         </p:txBody>
       </p:sp>
-      <p:sp>
-        <p:nvSpPr>
-          <p:cNvPr id="78" name="Flowchart: Decision 96"/>
-          <p:cNvSpPr/>
-          <p:nvPr/>
-        </p:nvSpPr>
-        <p:spPr>
-          <a:xfrm>
-            <a:off x="7041947" y="2948201"/>
-            <a:ext cx="236048" cy="173380"/>
-          </a:xfrm>
-          <a:prstGeom prst="flowChartDecision">
-            <a:avLst/>
-          </a:prstGeom>
-          <a:solidFill>
-            <a:srgbClr val="7030A0"/>
-          </a:solidFill>
-          <a:ln w="19050">
-            <a:solidFill>
-              <a:srgbClr val="7030A0"/>
-            </a:solidFill>
-          </a:ln>
-          <a:effectLst/>
-        </p:spPr>
-        <p:style>
-          <a:lnRef idx="1">
-            <a:schemeClr val="accent6"/>
-          </a:lnRef>
-          <a:fillRef idx="2">
-            <a:schemeClr val="accent6"/>
-          </a:fillRef>
-          <a:effectRef idx="1">
-            <a:schemeClr val="accent6"/>
-          </a:effectRef>
-          <a:fontRef idx="minor">
-            <a:schemeClr val="dk1"/>
-          </a:fontRef>
-        </p:style>
-        <p:txBody>
-          <a:bodyPr rtlCol="0" anchor="ctr"/>
-          <a:lstStyle/>
-          <a:p>
-            <a:pPr algn="ctr"/>
-            <a:endParaRPr lang="en-US" sz="1050"/>
-          </a:p>
-        </p:txBody>
-      </p:sp>
       <p:cxnSp>
         <p:nvCxnSpPr>
           <p:cNvPr id="79" name="Elbow Connector 78"/>
           <p:cNvCxnSpPr>
-            <a:stCxn id="78" idx="3"/>
             <a:endCxn id="76" idx="1"/>
           </p:cNvCxnSpPr>
           <p:nvPr/>
         </p:nvCxnSpPr>
         <p:spPr>
-          <a:xfrm flipV="1">
-            <a:off x="7277995" y="2707130"/>
-            <a:ext cx="434402" cy="327761"/>
-          </a:xfrm>
-          <a:prstGeom prst="bentConnector3">
+          <a:xfrm rot="5400000" flipH="1" flipV="1">
+            <a:off x="6340904" y="1114998"/>
+            <a:ext cx="664132" cy="325288"/>
+          </a:xfrm>
+          <a:prstGeom prst="bentConnector2">
             <a:avLst/>
           </a:prstGeom>
           <a:ln w="19050">
@@ -4942,7 +4910,7 @@
         </p:nvSpPr>
         <p:spPr>
           <a:xfrm>
-            <a:off x="7712397" y="2887216"/>
+            <a:off x="6835614" y="1125662"/>
             <a:ext cx="708186" cy="285783"/>
           </a:xfrm>
           <a:prstGeom prst="rect">
@@ -4975,14 +4943,14 @@
           <a:p>
             <a:pPr algn="ctr"/>
             <a:r>
-              <a:rPr lang="en-US" sz="1050" dirty="0" smtClean="0">
+              <a:rPr lang="en-US" sz="800" dirty="0" smtClean="0">
                 <a:solidFill>
                   <a:srgbClr val="7030A0"/>
                 </a:solidFill>
               </a:rPr>
-              <a:t>Phone</a:t>
-            </a:r>
-            <a:endParaRPr lang="en-SG" sz="1050" dirty="0">
+              <a:t>Description</a:t>
+            </a:r>
+            <a:endParaRPr lang="en-SG" sz="800" dirty="0">
               <a:solidFill>
                 <a:srgbClr val="7030A0"/>
               </a:solidFill>
@@ -4994,17 +4962,16 @@
         <p:nvCxnSpPr>
           <p:cNvPr id="81" name="Elbow Connector 80"/>
           <p:cNvCxnSpPr>
-            <a:stCxn id="78" idx="3"/>
             <a:endCxn id="80" idx="1"/>
           </p:cNvCxnSpPr>
           <p:nvPr/>
         </p:nvCxnSpPr>
         <p:spPr>
-          <a:xfrm flipV="1">
-            <a:off x="7277995" y="3030108"/>
-            <a:ext cx="434402" cy="4783"/>
-          </a:xfrm>
-          <a:prstGeom prst="bentConnector3">
+          <a:xfrm rot="5400000" flipH="1" flipV="1">
+            <a:off x="6086915" y="1691965"/>
+            <a:ext cx="1172110" cy="325288"/>
+          </a:xfrm>
+          <a:prstGeom prst="bentConnector2">
             <a:avLst/>
           </a:prstGeom>
           <a:ln w="19050">
@@ -5039,7 +5006,7 @@
         </p:nvSpPr>
         <p:spPr>
           <a:xfrm>
-            <a:off x="7712397" y="3210194"/>
+            <a:off x="6835614" y="1466817"/>
             <a:ext cx="708186" cy="285783"/>
           </a:xfrm>
           <a:prstGeom prst="rect">
@@ -5077,7 +5044,7 @@
                   <a:srgbClr val="7030A0"/>
                 </a:solidFill>
               </a:rPr>
-              <a:t>Email</a:t>
+              <a:t>Deadline</a:t>
             </a:r>
             <a:endParaRPr lang="en-SG" sz="1050" dirty="0">
               <a:solidFill>
@@ -5091,114 +5058,16 @@
         <p:nvCxnSpPr>
           <p:cNvPr id="84" name="Elbow Connector 83"/>
           <p:cNvCxnSpPr>
-            <a:stCxn id="78" idx="3"/>
-            <a:endCxn id="83" idx="1"/>
+            <a:endCxn id="83" idx="3"/>
           </p:cNvCxnSpPr>
           <p:nvPr/>
         </p:nvCxnSpPr>
         <p:spPr>
-          <a:xfrm>
-            <a:off x="7277995" y="3034891"/>
-            <a:ext cx="434402" cy="318195"/>
-          </a:xfrm>
-          <a:prstGeom prst="bentConnector3">
-            <a:avLst/>
-          </a:prstGeom>
-          <a:ln w="19050">
-            <a:solidFill>
-              <a:srgbClr val="7030A0"/>
-            </a:solidFill>
-            <a:headEnd type="none" w="med" len="med"/>
-            <a:tailEnd type="arrow" w="med" len="med"/>
-          </a:ln>
-          <a:effectLst/>
-        </p:spPr>
-        <p:style>
-          <a:lnRef idx="1">
-            <a:schemeClr val="accent2"/>
-          </a:lnRef>
-          <a:fillRef idx="2">
-            <a:schemeClr val="accent2"/>
-          </a:fillRef>
-          <a:effectRef idx="1">
-            <a:schemeClr val="accent2"/>
-          </a:effectRef>
-          <a:fontRef idx="minor">
-            <a:schemeClr val="dk1"/>
-          </a:fontRef>
-        </p:style>
-      </p:cxnSp>
-      <p:sp>
-        <p:nvSpPr>
-          <p:cNvPr id="85" name="Rectangle 8"/>
-          <p:cNvSpPr/>
-          <p:nvPr/>
-        </p:nvSpPr>
-        <p:spPr>
-          <a:xfrm>
-            <a:off x="7712397" y="3533171"/>
-            <a:ext cx="708186" cy="285783"/>
-          </a:xfrm>
-          <a:prstGeom prst="rect">
-            <a:avLst/>
-          </a:prstGeom>
-          <a:ln w="19050">
-            <a:solidFill>
-              <a:srgbClr val="7030A0"/>
-            </a:solidFill>
-          </a:ln>
-          <a:effectLst/>
-        </p:spPr>
-        <p:style>
-          <a:lnRef idx="1">
-            <a:schemeClr val="accent4"/>
-          </a:lnRef>
-          <a:fillRef idx="2">
-            <a:schemeClr val="accent4"/>
-          </a:fillRef>
-          <a:effectRef idx="1">
-            <a:schemeClr val="accent4"/>
-          </a:effectRef>
-          <a:fontRef idx="minor">
-            <a:schemeClr val="dk1"/>
-          </a:fontRef>
-        </p:style>
-        <p:txBody>
-          <a:bodyPr rtlCol="0" anchor="ctr"/>
-          <a:lstStyle/>
-          <a:p>
-            <a:pPr algn="ctr"/>
-            <a:r>
-              <a:rPr lang="en-US" sz="1050" dirty="0" smtClean="0">
-                <a:solidFill>
-                  <a:srgbClr val="7030A0"/>
-                </a:solidFill>
-              </a:rPr>
-              <a:t>Address</a:t>
-            </a:r>
-            <a:endParaRPr lang="en-SG" sz="1050" dirty="0">
-              <a:solidFill>
-                <a:srgbClr val="7030A0"/>
-              </a:solidFill>
-            </a:endParaRPr>
-          </a:p>
-        </p:txBody>
-      </p:sp>
-      <p:cxnSp>
-        <p:nvCxnSpPr>
-          <p:cNvPr id="86" name="Elbow Connector 85"/>
-          <p:cNvCxnSpPr>
-            <a:stCxn id="78" idx="3"/>
-            <a:endCxn id="85" idx="1"/>
-          </p:cNvCxnSpPr>
-          <p:nvPr/>
-        </p:nvCxnSpPr>
-        <p:spPr>
-          <a:xfrm>
-            <a:off x="7277995" y="3034891"/>
-            <a:ext cx="434402" cy="641172"/>
-          </a:xfrm>
-          <a:prstGeom prst="bentConnector3">
+          <a:xfrm rot="16200000" flipV="1">
+            <a:off x="7174441" y="1979068"/>
+            <a:ext cx="1070426" cy="331707"/>
+          </a:xfrm>
+          <a:prstGeom prst="bentConnector2">
             <a:avLst/>
           </a:prstGeom>
           <a:ln w="19050">
@@ -5235,7 +5104,7 @@
         </p:nvCxnSpPr>
         <p:spPr>
           <a:xfrm rot="16200000" flipH="1">
-            <a:off x="3279321" y="2485431"/>
+            <a:off x="2880244" y="2318780"/>
             <a:ext cx="293825" cy="1"/>
           </a:xfrm>
           <a:prstGeom prst="bentConnector3">
@@ -5276,7 +5145,7 @@
         </p:nvSpPr>
         <p:spPr>
           <a:xfrm rot="10800000" flipV="1">
-            <a:off x="3290981" y="2162997"/>
+            <a:off x="2891904" y="1996346"/>
             <a:ext cx="270504" cy="175523"/>
           </a:xfrm>
           <a:prstGeom prst="triangle">
@@ -5324,7 +5193,7 @@
         </p:nvSpPr>
         <p:spPr>
           <a:xfrm>
-            <a:off x="2660303" y="1806470"/>
+            <a:off x="2261226" y="1639819"/>
             <a:ext cx="1539926" cy="346760"/>
           </a:xfrm>
           <a:prstGeom prst="rect">
@@ -5377,7 +5246,7 @@
                   <a:srgbClr val="7030A0"/>
                 </a:solidFill>
               </a:rPr>
-              <a:t>ReadOnlyAddressBook</a:t>
+              <a:t>ReadOnlyTaskBook</a:t>
             </a:r>
             <a:endParaRPr lang="en-SG" sz="1050" dirty="0">
               <a:solidFill>
@@ -5395,7 +5264,7 @@
         </p:nvSpPr>
         <p:spPr>
           <a:xfrm rot="16200000">
-            <a:off x="6527512" y="3586305"/>
+            <a:off x="6128435" y="3419654"/>
             <a:ext cx="881018" cy="261610"/>
           </a:xfrm>
           <a:prstGeom prst="rect">
@@ -5434,7 +5303,7 @@
         </p:nvSpPr>
         <p:spPr>
           <a:xfrm>
-            <a:off x="2057400" y="4239491"/>
+            <a:off x="1658323" y="4072840"/>
             <a:ext cx="1775949" cy="346760"/>
           </a:xfrm>
           <a:prstGeom prst="rect">
@@ -5516,7 +5385,7 @@
         </p:nvCxnSpPr>
         <p:spPr>
           <a:xfrm rot="16200000" flipH="1">
-            <a:off x="1364475" y="3719945"/>
+            <a:off x="965398" y="3553294"/>
             <a:ext cx="831471" cy="554380"/>
           </a:xfrm>
           <a:prstGeom prst="bentConnector2">
@@ -5558,7 +5427,7 @@
         </p:nvCxnSpPr>
         <p:spPr>
           <a:xfrm rot="16200000" flipV="1">
-            <a:off x="5948976" y="2139271"/>
+            <a:off x="5549899" y="1972620"/>
             <a:ext cx="404117" cy="1033473"/>
           </a:xfrm>
           <a:prstGeom prst="bentConnector2">
@@ -5596,7 +5465,7 @@
         </p:nvSpPr>
         <p:spPr>
           <a:xfrm>
-            <a:off x="4324972" y="2191228"/>
+            <a:off x="3925895" y="2024577"/>
             <a:ext cx="189257" cy="178683"/>
           </a:xfrm>
           <a:prstGeom prst="rect">
@@ -5635,7 +5504,7 @@
         </p:nvSpPr>
         <p:spPr>
           <a:xfrm>
-            <a:off x="4324972" y="3058864"/>
+            <a:off x="3925895" y="2892213"/>
             <a:ext cx="189257" cy="178683"/>
           </a:xfrm>
           <a:prstGeom prst="rect">
@@ -5674,7 +5543,7 @@
         </p:nvSpPr>
         <p:spPr>
           <a:xfrm>
-            <a:off x="5689761" y="2495413"/>
+            <a:off x="5290684" y="2328762"/>
             <a:ext cx="189257" cy="178683"/>
           </a:xfrm>
           <a:prstGeom prst="rect">
@@ -5713,7 +5582,7 @@
         </p:nvSpPr>
         <p:spPr>
           <a:xfrm>
-            <a:off x="5163172" y="1778919"/>
+            <a:off x="4764095" y="1612268"/>
             <a:ext cx="189257" cy="178683"/>
           </a:xfrm>
           <a:prstGeom prst="rect">
@@ -5752,7 +5621,7 @@
         </p:nvSpPr>
         <p:spPr>
           <a:xfrm>
-            <a:off x="6135256" y="3097917"/>
+            <a:off x="5736179" y="2931266"/>
             <a:ext cx="189257" cy="178683"/>
           </a:xfrm>
           <a:prstGeom prst="rect">
@@ -5791,7 +5660,7 @@
         </p:nvSpPr>
         <p:spPr>
           <a:xfrm>
-            <a:off x="2687923" y="2564238"/>
+            <a:off x="2288846" y="2397587"/>
             <a:ext cx="189257" cy="178683"/>
           </a:xfrm>
           <a:prstGeom prst="rect">
@@ -5830,7 +5699,7 @@
         </p:nvSpPr>
         <p:spPr>
           <a:xfrm>
-            <a:off x="2656370" y="3386050"/>
+            <a:off x="2257293" y="3219399"/>
             <a:ext cx="189257" cy="178683"/>
           </a:xfrm>
           <a:prstGeom prst="rect">
@@ -5869,7 +5738,7 @@
         </p:nvSpPr>
         <p:spPr>
           <a:xfrm>
-            <a:off x="6667770" y="3210194"/>
+            <a:off x="6268693" y="3043543"/>
             <a:ext cx="189257" cy="178683"/>
           </a:xfrm>
           <a:prstGeom prst="rect">
@@ -5897,6 +5766,317 @@
                 <a:srgbClr val="7030A0"/>
               </a:solidFill>
             </a:endParaRPr>
+          </a:p>
+        </p:txBody>
+      </p:sp>
+      <p:sp>
+        <p:nvSpPr>
+          <p:cNvPr id="55" name="Flowchart: Decision 96"/>
+          <p:cNvSpPr/>
+          <p:nvPr/>
+        </p:nvSpPr>
+        <p:spPr>
+          <a:xfrm rot="16200000">
+            <a:off x="6383598" y="2481357"/>
+            <a:ext cx="236048" cy="173380"/>
+          </a:xfrm>
+          <a:prstGeom prst="flowChartDecision">
+            <a:avLst/>
+          </a:prstGeom>
+          <a:solidFill>
+            <a:srgbClr val="7030A0"/>
+          </a:solidFill>
+          <a:ln w="19050">
+            <a:solidFill>
+              <a:srgbClr val="7030A0"/>
+            </a:solidFill>
+          </a:ln>
+          <a:effectLst/>
+        </p:spPr>
+        <p:style>
+          <a:lnRef idx="1">
+            <a:schemeClr val="accent6"/>
+          </a:lnRef>
+          <a:fillRef idx="2">
+            <a:schemeClr val="accent6"/>
+          </a:fillRef>
+          <a:effectRef idx="1">
+            <a:schemeClr val="accent6"/>
+          </a:effectRef>
+          <a:fontRef idx="minor">
+            <a:schemeClr val="dk1"/>
+          </a:fontRef>
+        </p:style>
+        <p:txBody>
+          <a:bodyPr rtlCol="0" anchor="ctr"/>
+          <a:lstStyle/>
+          <a:p>
+            <a:pPr algn="ctr"/>
+            <a:endParaRPr lang="en-US" sz="1050"/>
+          </a:p>
+        </p:txBody>
+      </p:sp>
+      <p:sp>
+        <p:nvSpPr>
+          <p:cNvPr id="73" name="Rectangle 8"/>
+          <p:cNvSpPr/>
+          <p:nvPr/>
+        </p:nvSpPr>
+        <p:spPr>
+          <a:xfrm>
+            <a:off x="7521414" y="2701240"/>
+            <a:ext cx="708186" cy="346760"/>
+          </a:xfrm>
+          <a:prstGeom prst="rect">
+            <a:avLst/>
+          </a:prstGeom>
+          <a:ln w="19050">
+            <a:solidFill>
+              <a:srgbClr val="7030A0"/>
+            </a:solidFill>
+          </a:ln>
+          <a:effectLst/>
+        </p:spPr>
+        <p:style>
+          <a:lnRef idx="1">
+            <a:schemeClr val="accent4"/>
+          </a:lnRef>
+          <a:fillRef idx="2">
+            <a:schemeClr val="accent4"/>
+          </a:fillRef>
+          <a:effectRef idx="1">
+            <a:schemeClr val="accent4"/>
+          </a:effectRef>
+          <a:fontRef idx="minor">
+            <a:schemeClr val="dk1"/>
+          </a:fontRef>
+        </p:style>
+        <p:txBody>
+          <a:bodyPr rtlCol="0" anchor="ctr"/>
+          <a:lstStyle/>
+          <a:p>
+            <a:pPr algn="ctr"/>
+            <a:r>
+              <a:rPr lang="en-US" sz="1050" dirty="0" err="1" smtClean="0">
+                <a:solidFill>
+                  <a:srgbClr val="7030A0"/>
+                </a:solidFill>
+              </a:rPr>
+              <a:t>TaskWithDeadline</a:t>
+            </a:r>
+            <a:endParaRPr lang="en-SG" sz="1050" dirty="0">
+              <a:solidFill>
+                <a:srgbClr val="7030A0"/>
+              </a:solidFill>
+            </a:endParaRPr>
+          </a:p>
+        </p:txBody>
+      </p:sp>
+      <p:sp>
+        <p:nvSpPr>
+          <p:cNvPr id="82" name="Isosceles Triangle 102"/>
+          <p:cNvSpPr/>
+          <p:nvPr/>
+        </p:nvSpPr>
+        <p:spPr>
+          <a:xfrm rot="16200000">
+            <a:off x="6581910" y="2790691"/>
+            <a:ext cx="270504" cy="175523"/>
+          </a:xfrm>
+          <a:prstGeom prst="triangle">
+            <a:avLst/>
+          </a:prstGeom>
+          <a:solidFill>
+            <a:srgbClr val="7030A0"/>
+          </a:solidFill>
+          <a:ln w="19050">
+            <a:solidFill>
+              <a:srgbClr val="7030A0"/>
+            </a:solidFill>
+          </a:ln>
+          <a:effectLst/>
+        </p:spPr>
+        <p:style>
+          <a:lnRef idx="1">
+            <a:schemeClr val="accent6"/>
+          </a:lnRef>
+          <a:fillRef idx="2">
+            <a:schemeClr val="accent6"/>
+          </a:fillRef>
+          <a:effectRef idx="1">
+            <a:schemeClr val="accent6"/>
+          </a:effectRef>
+          <a:fontRef idx="minor">
+            <a:schemeClr val="dk1"/>
+          </a:fontRef>
+        </p:style>
+        <p:txBody>
+          <a:bodyPr rtlCol="0" anchor="ctr"/>
+          <a:lstStyle/>
+          <a:p>
+            <a:pPr algn="ctr"/>
+            <a:endParaRPr lang="en-SG" sz="1050"/>
+          </a:p>
+        </p:txBody>
+      </p:sp>
+      <p:cxnSp>
+        <p:nvCxnSpPr>
+          <p:cNvPr id="4" name="Straight Connector 3"/>
+          <p:cNvCxnSpPr>
+            <a:stCxn id="73" idx="1"/>
+            <a:endCxn id="82" idx="3"/>
+          </p:cNvCxnSpPr>
+          <p:nvPr/>
+        </p:nvCxnSpPr>
+        <p:spPr>
+          <a:xfrm flipH="1">
+            <a:off x="6804924" y="2874620"/>
+            <a:ext cx="716490" cy="3833"/>
+          </a:xfrm>
+          <a:prstGeom prst="line">
+            <a:avLst/>
+          </a:prstGeom>
+          <a:ln w="19050">
+            <a:solidFill>
+              <a:srgbClr val="7030A0"/>
+            </a:solidFill>
+          </a:ln>
+        </p:spPr>
+        <p:style>
+          <a:lnRef idx="1">
+            <a:schemeClr val="accent1"/>
+          </a:lnRef>
+          <a:fillRef idx="0">
+            <a:schemeClr val="accent1"/>
+          </a:fillRef>
+          <a:effectRef idx="0">
+            <a:schemeClr val="accent1"/>
+          </a:effectRef>
+          <a:fontRef idx="minor">
+            <a:schemeClr val="tx1"/>
+          </a:fontRef>
+        </p:style>
+      </p:cxnSp>
+      <p:cxnSp>
+        <p:nvCxnSpPr>
+          <p:cNvPr id="90" name="Elbow Connector 89"/>
+          <p:cNvCxnSpPr/>
+          <p:nvPr/>
+        </p:nvCxnSpPr>
+        <p:spPr>
+          <a:xfrm rot="16200000" flipV="1">
+            <a:off x="7174441" y="1661133"/>
+            <a:ext cx="1070426" cy="331707"/>
+          </a:xfrm>
+          <a:prstGeom prst="bentConnector2">
+            <a:avLst/>
+          </a:prstGeom>
+          <a:ln w="19050">
+            <a:solidFill>
+              <a:srgbClr val="7030A0"/>
+            </a:solidFill>
+            <a:headEnd type="none" w="med" len="med"/>
+            <a:tailEnd type="arrow" w="med" len="med"/>
+          </a:ln>
+          <a:effectLst/>
+        </p:spPr>
+        <p:style>
+          <a:lnRef idx="1">
+            <a:schemeClr val="accent2"/>
+          </a:lnRef>
+          <a:fillRef idx="2">
+            <a:schemeClr val="accent2"/>
+          </a:fillRef>
+          <a:effectRef idx="1">
+            <a:schemeClr val="accent2"/>
+          </a:effectRef>
+          <a:fontRef idx="minor">
+            <a:schemeClr val="dk1"/>
+          </a:fontRef>
+        </p:style>
+      </p:cxnSp>
+      <p:cxnSp>
+        <p:nvCxnSpPr>
+          <p:cNvPr id="91" name="Elbow Connector 90"/>
+          <p:cNvCxnSpPr/>
+          <p:nvPr/>
+        </p:nvCxnSpPr>
+        <p:spPr>
+          <a:xfrm rot="16200000" flipV="1">
+            <a:off x="7174440" y="1336040"/>
+            <a:ext cx="1070426" cy="331707"/>
+          </a:xfrm>
+          <a:prstGeom prst="bentConnector2">
+            <a:avLst/>
+          </a:prstGeom>
+          <a:ln w="19050">
+            <a:solidFill>
+              <a:srgbClr val="7030A0"/>
+            </a:solidFill>
+            <a:headEnd type="none" w="med" len="med"/>
+            <a:tailEnd type="arrow" w="med" len="med"/>
+          </a:ln>
+          <a:effectLst/>
+        </p:spPr>
+        <p:style>
+          <a:lnRef idx="1">
+            <a:schemeClr val="accent2"/>
+          </a:lnRef>
+          <a:fillRef idx="2">
+            <a:schemeClr val="accent2"/>
+          </a:fillRef>
+          <a:effectRef idx="1">
+            <a:schemeClr val="accent2"/>
+          </a:effectRef>
+          <a:fontRef idx="minor">
+            <a:schemeClr val="dk1"/>
+          </a:fontRef>
+        </p:style>
+      </p:cxnSp>
+      <p:sp>
+        <p:nvSpPr>
+          <p:cNvPr id="92" name="Flowchart: Decision 96"/>
+          <p:cNvSpPr/>
+          <p:nvPr/>
+        </p:nvSpPr>
+        <p:spPr>
+          <a:xfrm rot="16200000">
+            <a:off x="7757091" y="2471998"/>
+            <a:ext cx="236048" cy="173380"/>
+          </a:xfrm>
+          <a:prstGeom prst="flowChartDecision">
+            <a:avLst/>
+          </a:prstGeom>
+          <a:solidFill>
+            <a:srgbClr val="7030A0"/>
+          </a:solidFill>
+          <a:ln w="19050">
+            <a:solidFill>
+              <a:srgbClr val="7030A0"/>
+            </a:solidFill>
+          </a:ln>
+          <a:effectLst/>
+        </p:spPr>
+        <p:style>
+          <a:lnRef idx="1">
+            <a:schemeClr val="accent6"/>
+          </a:lnRef>
+          <a:fillRef idx="2">
+            <a:schemeClr val="accent6"/>
+          </a:fillRef>
+          <a:effectRef idx="1">
+            <a:schemeClr val="accent6"/>
+          </a:effectRef>
+          <a:fontRef idx="minor">
+            <a:schemeClr val="dk1"/>
+          </a:fontRef>
+        </p:style>
+        <p:txBody>
+          <a:bodyPr rtlCol="0" anchor="ctr"/>
+          <a:lstStyle/>
+          <a:p>
+            <a:pPr algn="ctr"/>
+            <a:endParaRPr lang="en-US" sz="1050"/>
           </a:p>
         </p:txBody>
       </p:sp>

--- a/docs/diagrams/ModelComponentClassDiagram.pptx
+++ b/docs/diagrams/ModelComponentClassDiagram.pptx
@@ -208,7 +208,7 @@
           <a:p>
             <a:fld id="{F5CC4B3F-88C1-4FFA-B1B6-F41C21DC6924}" type="datetimeFigureOut">
               <a:rPr lang="en-US" smtClean="0"/>
-              <a:t>7/11/2017</a:t>
+              <a:t>7/16/2017</a:t>
             </a:fld>
             <a:endParaRPr lang="en-US"/>
           </a:p>
@@ -272,38 +272,37 @@
           <a:p>
             <a:pPr lvl="0"/>
             <a:r>
-              <a:rPr lang="en-US" smtClean="0"/>
+              <a:rPr lang="en-US"/>
               <a:t>Click to edit Master text styles</a:t>
             </a:r>
           </a:p>
           <a:p>
             <a:pPr lvl="1"/>
             <a:r>
-              <a:rPr lang="en-US" smtClean="0"/>
+              <a:rPr lang="en-US"/>
               <a:t>Second level</a:t>
             </a:r>
           </a:p>
           <a:p>
             <a:pPr lvl="2"/>
             <a:r>
-              <a:rPr lang="en-US" smtClean="0"/>
+              <a:rPr lang="en-US"/>
               <a:t>Third level</a:t>
             </a:r>
           </a:p>
           <a:p>
             <a:pPr lvl="3"/>
             <a:r>
-              <a:rPr lang="en-US" smtClean="0"/>
+              <a:rPr lang="en-US"/>
               <a:t>Fourth level</a:t>
             </a:r>
           </a:p>
           <a:p>
             <a:pPr lvl="4"/>
             <a:r>
-              <a:rPr lang="en-US" smtClean="0"/>
+              <a:rPr lang="en-US"/>
               <a:t>Fifth level</a:t>
             </a:r>
-            <a:endParaRPr lang="en-US"/>
           </a:p>
         </p:txBody>
       </p:sp>
@@ -514,10 +513,9 @@
           <a:lstStyle/>
           <a:p>
             <a:r>
-              <a:rPr lang="en-US" smtClean="0"/>
+              <a:rPr lang="en-US"/>
               <a:t>Click to edit Master title style</a:t>
             </a:r>
-            <a:endParaRPr lang="en-US"/>
           </a:p>
         </p:txBody>
       </p:sp>
@@ -633,10 +631,9 @@
           </a:lstStyle>
           <a:p>
             <a:r>
-              <a:rPr lang="en-US" smtClean="0"/>
+              <a:rPr lang="en-US"/>
               <a:t>Click to edit Master subtitle style</a:t>
             </a:r>
-            <a:endParaRPr lang="en-US"/>
           </a:p>
         </p:txBody>
       </p:sp>
@@ -657,7 +654,7 @@
           <a:p>
             <a:fld id="{78C97017-6FC3-485B-9764-EAC9E56C1D49}" type="datetimeFigureOut">
               <a:rPr lang="en-US" smtClean="0"/>
-              <a:t>7/11/2017</a:t>
+              <a:t>7/16/2017</a:t>
             </a:fld>
             <a:endParaRPr lang="en-US"/>
           </a:p>
@@ -751,10 +748,9 @@
           <a:lstStyle/>
           <a:p>
             <a:r>
-              <a:rPr lang="en-US" smtClean="0"/>
+              <a:rPr lang="en-US"/>
               <a:t>Click to edit Master title style</a:t>
             </a:r>
-            <a:endParaRPr lang="en-US"/>
           </a:p>
         </p:txBody>
       </p:sp>
@@ -775,38 +771,37 @@
           <a:p>
             <a:pPr lvl="0"/>
             <a:r>
-              <a:rPr lang="en-US" smtClean="0"/>
+              <a:rPr lang="en-US"/>
               <a:t>Click to edit Master text styles</a:t>
             </a:r>
           </a:p>
           <a:p>
             <a:pPr lvl="1"/>
             <a:r>
-              <a:rPr lang="en-US" smtClean="0"/>
+              <a:rPr lang="en-US"/>
               <a:t>Second level</a:t>
             </a:r>
           </a:p>
           <a:p>
             <a:pPr lvl="2"/>
             <a:r>
-              <a:rPr lang="en-US" smtClean="0"/>
+              <a:rPr lang="en-US"/>
               <a:t>Third level</a:t>
             </a:r>
           </a:p>
           <a:p>
             <a:pPr lvl="3"/>
             <a:r>
-              <a:rPr lang="en-US" smtClean="0"/>
+              <a:rPr lang="en-US"/>
               <a:t>Fourth level</a:t>
             </a:r>
           </a:p>
           <a:p>
             <a:pPr lvl="4"/>
             <a:r>
-              <a:rPr lang="en-US" smtClean="0"/>
+              <a:rPr lang="en-US"/>
               <a:t>Fifth level</a:t>
             </a:r>
-            <a:endParaRPr lang="en-US"/>
           </a:p>
         </p:txBody>
       </p:sp>
@@ -827,7 +822,7 @@
           <a:p>
             <a:fld id="{78C97017-6FC3-485B-9764-EAC9E56C1D49}" type="datetimeFigureOut">
               <a:rPr lang="en-US" smtClean="0"/>
-              <a:t>7/11/2017</a:t>
+              <a:t>7/16/2017</a:t>
             </a:fld>
             <a:endParaRPr lang="en-US"/>
           </a:p>
@@ -926,10 +921,9 @@
           <a:lstStyle/>
           <a:p>
             <a:r>
-              <a:rPr lang="en-US" smtClean="0"/>
+              <a:rPr lang="en-US"/>
               <a:t>Click to edit Master title style</a:t>
             </a:r>
-            <a:endParaRPr lang="en-US"/>
           </a:p>
         </p:txBody>
       </p:sp>
@@ -955,38 +949,37 @@
           <a:p>
             <a:pPr lvl="0"/>
             <a:r>
-              <a:rPr lang="en-US" smtClean="0"/>
+              <a:rPr lang="en-US"/>
               <a:t>Click to edit Master text styles</a:t>
             </a:r>
           </a:p>
           <a:p>
             <a:pPr lvl="1"/>
             <a:r>
-              <a:rPr lang="en-US" smtClean="0"/>
+              <a:rPr lang="en-US"/>
               <a:t>Second level</a:t>
             </a:r>
           </a:p>
           <a:p>
             <a:pPr lvl="2"/>
             <a:r>
-              <a:rPr lang="en-US" smtClean="0"/>
+              <a:rPr lang="en-US"/>
               <a:t>Third level</a:t>
             </a:r>
           </a:p>
           <a:p>
             <a:pPr lvl="3"/>
             <a:r>
-              <a:rPr lang="en-US" smtClean="0"/>
+              <a:rPr lang="en-US"/>
               <a:t>Fourth level</a:t>
             </a:r>
           </a:p>
           <a:p>
             <a:pPr lvl="4"/>
             <a:r>
-              <a:rPr lang="en-US" smtClean="0"/>
+              <a:rPr lang="en-US"/>
               <a:t>Fifth level</a:t>
             </a:r>
-            <a:endParaRPr lang="en-US"/>
           </a:p>
         </p:txBody>
       </p:sp>
@@ -1007,7 +1000,7 @@
           <a:p>
             <a:fld id="{78C97017-6FC3-485B-9764-EAC9E56C1D49}" type="datetimeFigureOut">
               <a:rPr lang="en-US" smtClean="0"/>
-              <a:t>7/11/2017</a:t>
+              <a:t>7/16/2017</a:t>
             </a:fld>
             <a:endParaRPr lang="en-US"/>
           </a:p>
@@ -1101,10 +1094,9 @@
           <a:lstStyle/>
           <a:p>
             <a:r>
-              <a:rPr lang="en-US" smtClean="0"/>
+              <a:rPr lang="en-US"/>
               <a:t>Click to edit Master title style</a:t>
             </a:r>
-            <a:endParaRPr lang="en-US"/>
           </a:p>
         </p:txBody>
       </p:sp>
@@ -1125,38 +1117,37 @@
           <a:p>
             <a:pPr lvl="0"/>
             <a:r>
-              <a:rPr lang="en-US" smtClean="0"/>
+              <a:rPr lang="en-US"/>
               <a:t>Click to edit Master text styles</a:t>
             </a:r>
           </a:p>
           <a:p>
             <a:pPr lvl="1"/>
             <a:r>
-              <a:rPr lang="en-US" smtClean="0"/>
+              <a:rPr lang="en-US"/>
               <a:t>Second level</a:t>
             </a:r>
           </a:p>
           <a:p>
             <a:pPr lvl="2"/>
             <a:r>
-              <a:rPr lang="en-US" smtClean="0"/>
+              <a:rPr lang="en-US"/>
               <a:t>Third level</a:t>
             </a:r>
           </a:p>
           <a:p>
             <a:pPr lvl="3"/>
             <a:r>
-              <a:rPr lang="en-US" smtClean="0"/>
+              <a:rPr lang="en-US"/>
               <a:t>Fourth level</a:t>
             </a:r>
           </a:p>
           <a:p>
             <a:pPr lvl="4"/>
             <a:r>
-              <a:rPr lang="en-US" smtClean="0"/>
+              <a:rPr lang="en-US"/>
               <a:t>Fifth level</a:t>
             </a:r>
-            <a:endParaRPr lang="en-US"/>
           </a:p>
         </p:txBody>
       </p:sp>
@@ -1177,7 +1168,7 @@
           <a:p>
             <a:fld id="{78C97017-6FC3-485B-9764-EAC9E56C1D49}" type="datetimeFigureOut">
               <a:rPr lang="en-US" smtClean="0"/>
-              <a:t>7/11/2017</a:t>
+              <a:t>7/16/2017</a:t>
             </a:fld>
             <a:endParaRPr lang="en-US"/>
           </a:p>
@@ -1280,10 +1271,9 @@
           </a:lstStyle>
           <a:p>
             <a:r>
-              <a:rPr lang="en-US" smtClean="0"/>
+              <a:rPr lang="en-US"/>
               <a:t>Click to edit Master title style</a:t>
             </a:r>
-            <a:endParaRPr lang="en-US"/>
           </a:p>
         </p:txBody>
       </p:sp>
@@ -1400,7 +1390,7 @@
           <a:p>
             <a:pPr lvl="0"/>
             <a:r>
-              <a:rPr lang="en-US" smtClean="0"/>
+              <a:rPr lang="en-US"/>
               <a:t>Click to edit Master text styles</a:t>
             </a:r>
           </a:p>
@@ -1423,7 +1413,7 @@
           <a:p>
             <a:fld id="{78C97017-6FC3-485B-9764-EAC9E56C1D49}" type="datetimeFigureOut">
               <a:rPr lang="en-US" smtClean="0"/>
-              <a:t>7/11/2017</a:t>
+              <a:t>7/16/2017</a:t>
             </a:fld>
             <a:endParaRPr lang="en-US"/>
           </a:p>
@@ -1517,10 +1507,9 @@
           <a:lstStyle/>
           <a:p>
             <a:r>
-              <a:rPr lang="en-US" smtClean="0"/>
+              <a:rPr lang="en-US"/>
               <a:t>Click to edit Master title style</a:t>
             </a:r>
-            <a:endParaRPr lang="en-US"/>
           </a:p>
         </p:txBody>
       </p:sp>
@@ -1574,38 +1563,37 @@
           <a:p>
             <a:pPr lvl="0"/>
             <a:r>
-              <a:rPr lang="en-US" smtClean="0"/>
+              <a:rPr lang="en-US"/>
               <a:t>Click to edit Master text styles</a:t>
             </a:r>
           </a:p>
           <a:p>
             <a:pPr lvl="1"/>
             <a:r>
-              <a:rPr lang="en-US" smtClean="0"/>
+              <a:rPr lang="en-US"/>
               <a:t>Second level</a:t>
             </a:r>
           </a:p>
           <a:p>
             <a:pPr lvl="2"/>
             <a:r>
-              <a:rPr lang="en-US" smtClean="0"/>
+              <a:rPr lang="en-US"/>
               <a:t>Third level</a:t>
             </a:r>
           </a:p>
           <a:p>
             <a:pPr lvl="3"/>
             <a:r>
-              <a:rPr lang="en-US" smtClean="0"/>
+              <a:rPr lang="en-US"/>
               <a:t>Fourth level</a:t>
             </a:r>
           </a:p>
           <a:p>
             <a:pPr lvl="4"/>
             <a:r>
-              <a:rPr lang="en-US" smtClean="0"/>
+              <a:rPr lang="en-US"/>
               <a:t>Fifth level</a:t>
             </a:r>
-            <a:endParaRPr lang="en-US"/>
           </a:p>
         </p:txBody>
       </p:sp>
@@ -1659,38 +1647,37 @@
           <a:p>
             <a:pPr lvl="0"/>
             <a:r>
-              <a:rPr lang="en-US" smtClean="0"/>
+              <a:rPr lang="en-US"/>
               <a:t>Click to edit Master text styles</a:t>
             </a:r>
           </a:p>
           <a:p>
             <a:pPr lvl="1"/>
             <a:r>
-              <a:rPr lang="en-US" smtClean="0"/>
+              <a:rPr lang="en-US"/>
               <a:t>Second level</a:t>
             </a:r>
           </a:p>
           <a:p>
             <a:pPr lvl="2"/>
             <a:r>
-              <a:rPr lang="en-US" smtClean="0"/>
+              <a:rPr lang="en-US"/>
               <a:t>Third level</a:t>
             </a:r>
           </a:p>
           <a:p>
             <a:pPr lvl="3"/>
             <a:r>
-              <a:rPr lang="en-US" smtClean="0"/>
+              <a:rPr lang="en-US"/>
               <a:t>Fourth level</a:t>
             </a:r>
           </a:p>
           <a:p>
             <a:pPr lvl="4"/>
             <a:r>
-              <a:rPr lang="en-US" smtClean="0"/>
+              <a:rPr lang="en-US"/>
               <a:t>Fifth level</a:t>
             </a:r>
-            <a:endParaRPr lang="en-US"/>
           </a:p>
         </p:txBody>
       </p:sp>
@@ -1711,7 +1698,7 @@
           <a:p>
             <a:fld id="{78C97017-6FC3-485B-9764-EAC9E56C1D49}" type="datetimeFigureOut">
               <a:rPr lang="en-US" smtClean="0"/>
-              <a:t>7/11/2017</a:t>
+              <a:t>7/16/2017</a:t>
             </a:fld>
             <a:endParaRPr lang="en-US"/>
           </a:p>
@@ -1809,10 +1796,9 @@
           </a:lstStyle>
           <a:p>
             <a:r>
-              <a:rPr lang="en-US" smtClean="0"/>
+              <a:rPr lang="en-US"/>
               <a:t>Click to edit Master title style</a:t>
             </a:r>
-            <a:endParaRPr lang="en-US"/>
           </a:p>
         </p:txBody>
       </p:sp>
@@ -1875,7 +1861,7 @@
           <a:p>
             <a:pPr lvl="0"/>
             <a:r>
-              <a:rPr lang="en-US" smtClean="0"/>
+              <a:rPr lang="en-US"/>
               <a:t>Click to edit Master text styles</a:t>
             </a:r>
           </a:p>
@@ -1931,38 +1917,37 @@
           <a:p>
             <a:pPr lvl="0"/>
             <a:r>
-              <a:rPr lang="en-US" smtClean="0"/>
+              <a:rPr lang="en-US"/>
               <a:t>Click to edit Master text styles</a:t>
             </a:r>
           </a:p>
           <a:p>
             <a:pPr lvl="1"/>
             <a:r>
-              <a:rPr lang="en-US" smtClean="0"/>
+              <a:rPr lang="en-US"/>
               <a:t>Second level</a:t>
             </a:r>
           </a:p>
           <a:p>
             <a:pPr lvl="2"/>
             <a:r>
-              <a:rPr lang="en-US" smtClean="0"/>
+              <a:rPr lang="en-US"/>
               <a:t>Third level</a:t>
             </a:r>
           </a:p>
           <a:p>
             <a:pPr lvl="3"/>
             <a:r>
-              <a:rPr lang="en-US" smtClean="0"/>
+              <a:rPr lang="en-US"/>
               <a:t>Fourth level</a:t>
             </a:r>
           </a:p>
           <a:p>
             <a:pPr lvl="4"/>
             <a:r>
-              <a:rPr lang="en-US" smtClean="0"/>
+              <a:rPr lang="en-US"/>
               <a:t>Fifth level</a:t>
             </a:r>
-            <a:endParaRPr lang="en-US"/>
           </a:p>
         </p:txBody>
       </p:sp>
@@ -2025,7 +2010,7 @@
           <a:p>
             <a:pPr lvl="0"/>
             <a:r>
-              <a:rPr lang="en-US" smtClean="0"/>
+              <a:rPr lang="en-US"/>
               <a:t>Click to edit Master text styles</a:t>
             </a:r>
           </a:p>
@@ -2081,38 +2066,37 @@
           <a:p>
             <a:pPr lvl="0"/>
             <a:r>
-              <a:rPr lang="en-US" smtClean="0"/>
+              <a:rPr lang="en-US"/>
               <a:t>Click to edit Master text styles</a:t>
             </a:r>
           </a:p>
           <a:p>
             <a:pPr lvl="1"/>
             <a:r>
-              <a:rPr lang="en-US" smtClean="0"/>
+              <a:rPr lang="en-US"/>
               <a:t>Second level</a:t>
             </a:r>
           </a:p>
           <a:p>
             <a:pPr lvl="2"/>
             <a:r>
-              <a:rPr lang="en-US" smtClean="0"/>
+              <a:rPr lang="en-US"/>
               <a:t>Third level</a:t>
             </a:r>
           </a:p>
           <a:p>
             <a:pPr lvl="3"/>
             <a:r>
-              <a:rPr lang="en-US" smtClean="0"/>
+              <a:rPr lang="en-US"/>
               <a:t>Fourth level</a:t>
             </a:r>
           </a:p>
           <a:p>
             <a:pPr lvl="4"/>
             <a:r>
-              <a:rPr lang="en-US" smtClean="0"/>
+              <a:rPr lang="en-US"/>
               <a:t>Fifth level</a:t>
             </a:r>
-            <a:endParaRPr lang="en-US"/>
           </a:p>
         </p:txBody>
       </p:sp>
@@ -2133,7 +2117,7 @@
           <a:p>
             <a:fld id="{78C97017-6FC3-485B-9764-EAC9E56C1D49}" type="datetimeFigureOut">
               <a:rPr lang="en-US" smtClean="0"/>
-              <a:t>7/11/2017</a:t>
+              <a:t>7/16/2017</a:t>
             </a:fld>
             <a:endParaRPr lang="en-US"/>
           </a:p>
@@ -2227,10 +2211,9 @@
           <a:lstStyle/>
           <a:p>
             <a:r>
-              <a:rPr lang="en-US" smtClean="0"/>
+              <a:rPr lang="en-US"/>
               <a:t>Click to edit Master title style</a:t>
             </a:r>
-            <a:endParaRPr lang="en-US"/>
           </a:p>
         </p:txBody>
       </p:sp>
@@ -2251,7 +2234,7 @@
           <a:p>
             <a:fld id="{78C97017-6FC3-485B-9764-EAC9E56C1D49}" type="datetimeFigureOut">
               <a:rPr lang="en-US" smtClean="0"/>
-              <a:t>7/11/2017</a:t>
+              <a:t>7/16/2017</a:t>
             </a:fld>
             <a:endParaRPr lang="en-US"/>
           </a:p>
@@ -2346,7 +2329,7 @@
           <a:p>
             <a:fld id="{78C97017-6FC3-485B-9764-EAC9E56C1D49}" type="datetimeFigureOut">
               <a:rPr lang="en-US" smtClean="0"/>
-              <a:t>7/11/2017</a:t>
+              <a:t>7/16/2017</a:t>
             </a:fld>
             <a:endParaRPr lang="en-US"/>
           </a:p>
@@ -2449,10 +2432,9 @@
           </a:lstStyle>
           <a:p>
             <a:r>
-              <a:rPr lang="en-US" smtClean="0"/>
+              <a:rPr lang="en-US"/>
               <a:t>Click to edit Master title style</a:t>
             </a:r>
-            <a:endParaRPr lang="en-US"/>
           </a:p>
         </p:txBody>
       </p:sp>
@@ -2506,38 +2488,37 @@
           <a:p>
             <a:pPr lvl="0"/>
             <a:r>
-              <a:rPr lang="en-US" smtClean="0"/>
+              <a:rPr lang="en-US"/>
               <a:t>Click to edit Master text styles</a:t>
             </a:r>
           </a:p>
           <a:p>
             <a:pPr lvl="1"/>
             <a:r>
-              <a:rPr lang="en-US" smtClean="0"/>
+              <a:rPr lang="en-US"/>
               <a:t>Second level</a:t>
             </a:r>
           </a:p>
           <a:p>
             <a:pPr lvl="2"/>
             <a:r>
-              <a:rPr lang="en-US" smtClean="0"/>
+              <a:rPr lang="en-US"/>
               <a:t>Third level</a:t>
             </a:r>
           </a:p>
           <a:p>
             <a:pPr lvl="3"/>
             <a:r>
-              <a:rPr lang="en-US" smtClean="0"/>
+              <a:rPr lang="en-US"/>
               <a:t>Fourth level</a:t>
             </a:r>
           </a:p>
           <a:p>
             <a:pPr lvl="4"/>
             <a:r>
-              <a:rPr lang="en-US" smtClean="0"/>
+              <a:rPr lang="en-US"/>
               <a:t>Fifth level</a:t>
             </a:r>
-            <a:endParaRPr lang="en-US"/>
           </a:p>
         </p:txBody>
       </p:sp>
@@ -2600,7 +2581,7 @@
           <a:p>
             <a:pPr lvl="0"/>
             <a:r>
-              <a:rPr lang="en-US" smtClean="0"/>
+              <a:rPr lang="en-US"/>
               <a:t>Click to edit Master text styles</a:t>
             </a:r>
           </a:p>
@@ -2623,7 +2604,7 @@
           <a:p>
             <a:fld id="{78C97017-6FC3-485B-9764-EAC9E56C1D49}" type="datetimeFigureOut">
               <a:rPr lang="en-US" smtClean="0"/>
-              <a:t>7/11/2017</a:t>
+              <a:t>7/16/2017</a:t>
             </a:fld>
             <a:endParaRPr lang="en-US"/>
           </a:p>
@@ -2726,10 +2707,9 @@
           </a:lstStyle>
           <a:p>
             <a:r>
-              <a:rPr lang="en-US" smtClean="0"/>
+              <a:rPr lang="en-US"/>
               <a:t>Click to edit Master title style</a:t>
             </a:r>
-            <a:endParaRPr lang="en-US"/>
           </a:p>
         </p:txBody>
       </p:sp>
@@ -2853,7 +2833,7 @@
           <a:p>
             <a:pPr lvl="0"/>
             <a:r>
-              <a:rPr lang="en-US" smtClean="0"/>
+              <a:rPr lang="en-US"/>
               <a:t>Click to edit Master text styles</a:t>
             </a:r>
           </a:p>
@@ -2876,7 +2856,7 @@
           <a:p>
             <a:fld id="{78C97017-6FC3-485B-9764-EAC9E56C1D49}" type="datetimeFigureOut">
               <a:rPr lang="en-US" smtClean="0"/>
-              <a:t>7/11/2017</a:t>
+              <a:t>7/16/2017</a:t>
             </a:fld>
             <a:endParaRPr lang="en-US"/>
           </a:p>
@@ -2985,10 +2965,9 @@
           <a:lstStyle/>
           <a:p>
             <a:r>
-              <a:rPr lang="en-US" smtClean="0"/>
+              <a:rPr lang="en-US"/>
               <a:t>Click to edit Master title style</a:t>
             </a:r>
-            <a:endParaRPr lang="en-US"/>
           </a:p>
         </p:txBody>
       </p:sp>
@@ -3019,38 +2998,37 @@
           <a:p>
             <a:pPr lvl="0"/>
             <a:r>
-              <a:rPr lang="en-US" smtClean="0"/>
+              <a:rPr lang="en-US"/>
               <a:t>Click to edit Master text styles</a:t>
             </a:r>
           </a:p>
           <a:p>
             <a:pPr lvl="1"/>
             <a:r>
-              <a:rPr lang="en-US" smtClean="0"/>
+              <a:rPr lang="en-US"/>
               <a:t>Second level</a:t>
             </a:r>
           </a:p>
           <a:p>
             <a:pPr lvl="2"/>
             <a:r>
-              <a:rPr lang="en-US" smtClean="0"/>
+              <a:rPr lang="en-US"/>
               <a:t>Third level</a:t>
             </a:r>
           </a:p>
           <a:p>
             <a:pPr lvl="3"/>
             <a:r>
-              <a:rPr lang="en-US" smtClean="0"/>
+              <a:rPr lang="en-US"/>
               <a:t>Fourth level</a:t>
             </a:r>
           </a:p>
           <a:p>
             <a:pPr lvl="4"/>
             <a:r>
-              <a:rPr lang="en-US" smtClean="0"/>
+              <a:rPr lang="en-US"/>
               <a:t>Fifth level</a:t>
             </a:r>
-            <a:endParaRPr lang="en-US"/>
           </a:p>
         </p:txBody>
       </p:sp>
@@ -3089,7 +3067,7 @@
           <a:p>
             <a:fld id="{78C97017-6FC3-485B-9764-EAC9E56C1D49}" type="datetimeFigureOut">
               <a:rPr lang="en-US" smtClean="0"/>
-              <a:t>7/11/2017</a:t>
+              <a:t>7/16/2017</a:t>
             </a:fld>
             <a:endParaRPr lang="en-US"/>
           </a:p>
@@ -3510,7 +3488,7 @@
           <a:lstStyle/>
           <a:p>
             <a:r>
-              <a:rPr lang="en-US" sz="1200" b="1" dirty="0" smtClean="0">
+              <a:rPr lang="en-US" sz="1200" b="1" dirty="0">
                 <a:solidFill>
                   <a:srgbClr val="7030A0"/>
                 </a:solidFill>
@@ -3569,7 +3547,7 @@
           <a:p>
             <a:pPr algn="ctr"/>
             <a:r>
-              <a:rPr lang="en-US" sz="1050" dirty="0" err="1" smtClean="0">
+              <a:rPr lang="en-US" sz="1050" dirty="0" err="1">
                 <a:solidFill>
                   <a:schemeClr val="bg1"/>
                 </a:solidFill>
@@ -3628,7 +3606,7 @@
           <a:p>
             <a:pPr algn="ctr"/>
             <a:r>
-              <a:rPr lang="en-US" sz="1050" dirty="0" err="1" smtClean="0">
+              <a:rPr lang="en-US" sz="1050" dirty="0" err="1">
                 <a:solidFill>
                   <a:schemeClr val="bg1"/>
                 </a:solidFill>
@@ -3783,7 +3761,7 @@
           <a:p>
             <a:pPr algn="ctr"/>
             <a:r>
-              <a:rPr lang="en-US" sz="1050" dirty="0" smtClean="0">
+              <a:rPr lang="en-US" sz="1050" dirty="0">
                 <a:solidFill>
                   <a:schemeClr val="bg1"/>
                 </a:solidFill>
@@ -4107,12 +4085,12 @@
           <a:p>
             <a:pPr algn="ctr"/>
             <a:r>
-              <a:rPr lang="en-US" sz="1050" dirty="0" err="1" smtClean="0">
+              <a:rPr lang="en-US" sz="1050" dirty="0" err="1">
                 <a:solidFill>
                   <a:srgbClr val="7030A0"/>
                 </a:solidFill>
               </a:rPr>
-              <a:t>TaskBook</a:t>
+              <a:t>TaskManager</a:t>
             </a:r>
             <a:endParaRPr lang="en-SG" sz="1050" dirty="0">
               <a:solidFill>
@@ -4249,7 +4227,7 @@
           <a:p>
             <a:pPr algn="ctr"/>
             <a:r>
-              <a:rPr lang="en-US" sz="1050" dirty="0" err="1" smtClean="0">
+              <a:rPr lang="en-US" sz="1050" dirty="0" err="1">
                 <a:solidFill>
                   <a:srgbClr val="7030A0"/>
                 </a:solidFill>
@@ -4393,7 +4371,7 @@
           <a:p>
             <a:pPr algn="ctr"/>
             <a:r>
-              <a:rPr lang="en-US" sz="1050" dirty="0" err="1" smtClean="0">
+              <a:rPr lang="en-US" sz="1050" dirty="0" err="1">
                 <a:solidFill>
                   <a:srgbClr val="7030A0"/>
                 </a:solidFill>
@@ -4492,7 +4470,7 @@
           <a:p>
             <a:pPr algn="ctr"/>
             <a:r>
-              <a:rPr lang="en-US" sz="1050" dirty="0" smtClean="0">
+              <a:rPr lang="en-US" sz="1050" dirty="0">
                 <a:solidFill>
                   <a:srgbClr val="7030A0"/>
                 </a:solidFill>
@@ -4634,7 +4612,7 @@
           <a:p>
             <a:pPr algn="ctr"/>
             <a:r>
-              <a:rPr lang="en-US" sz="1050" dirty="0" smtClean="0">
+              <a:rPr lang="en-US" sz="1050" dirty="0">
                 <a:solidFill>
                   <a:srgbClr val="7030A0"/>
                 </a:solidFill>
@@ -4776,7 +4754,7 @@
           <a:p>
             <a:pPr algn="ctr"/>
             <a:r>
-              <a:rPr lang="en-US" sz="1050" dirty="0" smtClean="0">
+              <a:rPr lang="en-US" sz="1050" dirty="0">
                 <a:solidFill>
                   <a:srgbClr val="7030A0"/>
                 </a:solidFill>
@@ -4784,14 +4762,14 @@
               <a:t>&lt;&lt;interface&gt;&gt;</a:t>
             </a:r>
             <a:br>
-              <a:rPr lang="en-US" sz="1050" dirty="0" smtClean="0">
+              <a:rPr lang="en-US" sz="1050" dirty="0">
                 <a:solidFill>
                   <a:srgbClr val="7030A0"/>
                 </a:solidFill>
               </a:rPr>
             </a:br>
             <a:r>
-              <a:rPr lang="en-US" sz="1050" dirty="0" err="1" smtClean="0">
+              <a:rPr lang="en-US" sz="1050" dirty="0" err="1">
                 <a:solidFill>
                   <a:srgbClr val="7030A0"/>
                 </a:solidFill>
@@ -4847,7 +4825,7 @@
           <a:p>
             <a:pPr algn="ctr"/>
             <a:r>
-              <a:rPr lang="en-US" sz="1050" dirty="0" smtClean="0">
+              <a:rPr lang="en-US" sz="1050" dirty="0">
                 <a:solidFill>
                   <a:srgbClr val="7030A0"/>
                 </a:solidFill>
@@ -4943,7 +4921,7 @@
           <a:p>
             <a:pPr algn="ctr"/>
             <a:r>
-              <a:rPr lang="en-US" sz="800" dirty="0" smtClean="0">
+              <a:rPr lang="en-US" sz="800" dirty="0">
                 <a:solidFill>
                   <a:srgbClr val="7030A0"/>
                 </a:solidFill>
@@ -5039,7 +5017,7 @@
           <a:p>
             <a:pPr algn="ctr"/>
             <a:r>
-              <a:rPr lang="en-US" sz="1050" dirty="0" smtClean="0">
+              <a:rPr lang="en-US" sz="1050" dirty="0">
                 <a:solidFill>
                   <a:srgbClr val="7030A0"/>
                 </a:solidFill>
@@ -5226,7 +5204,7 @@
           <a:p>
             <a:pPr algn="ctr"/>
             <a:r>
-              <a:rPr lang="en-US" sz="1050" dirty="0" smtClean="0">
+              <a:rPr lang="en-US" sz="1050" dirty="0">
                 <a:solidFill>
                   <a:srgbClr val="7030A0"/>
                 </a:solidFill>
@@ -5234,19 +5212,19 @@
               <a:t>&lt;&lt;interface&gt;&gt;</a:t>
             </a:r>
             <a:br>
-              <a:rPr lang="en-US" sz="1050" dirty="0" smtClean="0">
+              <a:rPr lang="en-US" sz="1050" dirty="0">
                 <a:solidFill>
                   <a:srgbClr val="7030A0"/>
                 </a:solidFill>
               </a:rPr>
             </a:br>
             <a:r>
-              <a:rPr lang="en-US" sz="1050" dirty="0" err="1" smtClean="0">
+              <a:rPr lang="en-US" sz="1050" dirty="0" err="1">
                 <a:solidFill>
                   <a:srgbClr val="7030A0"/>
                 </a:solidFill>
               </a:rPr>
-              <a:t>ReadOnlyTaskBook</a:t>
+              <a:t>ReadOnlyTaskManager</a:t>
             </a:r>
             <a:endParaRPr lang="en-SG" sz="1050" dirty="0">
               <a:solidFill>
@@ -5280,7 +5258,7 @@
           <a:p>
             <a:pPr algn="r"/>
             <a:r>
-              <a:rPr lang="en-US" sz="1100" dirty="0" smtClean="0">
+              <a:rPr lang="en-US" sz="1100" dirty="0">
                 <a:solidFill>
                   <a:srgbClr val="7030A0"/>
                 </a:solidFill>
@@ -5336,20 +5314,12 @@
           <a:p>
             <a:pPr algn="ctr"/>
             <a:r>
-              <a:rPr lang="en-US" sz="1050" dirty="0" smtClean="0">
+              <a:rPr lang="en-US" sz="1050" dirty="0">
                 <a:solidFill>
                   <a:srgbClr val="7030A0"/>
                 </a:solidFill>
               </a:rPr>
               <a:t>&lt;&lt;interface&gt;&gt;</a:t>
-            </a:r>
-            <a:r>
-              <a:rPr lang="en-US" sz="1050" dirty="0">
-                <a:solidFill>
-                  <a:srgbClr val="7030A0"/>
-                </a:solidFill>
-              </a:rPr>
-              <a:t/>
             </a:r>
             <a:br>
               <a:rPr lang="en-US" sz="1050" dirty="0">
@@ -5359,7 +5329,7 @@
               </a:rPr>
             </a:br>
             <a:r>
-              <a:rPr lang="en-US" sz="1050" dirty="0" err="1" smtClean="0">
+              <a:rPr lang="en-US" sz="1050" dirty="0" err="1">
                 <a:solidFill>
                   <a:srgbClr val="7030A0"/>
                 </a:solidFill>
@@ -5481,7 +5451,7 @@
           <a:p>
             <a:pPr algn="ctr"/>
             <a:r>
-              <a:rPr lang="en-US" sz="1100" dirty="0" smtClean="0">
+              <a:rPr lang="en-US" sz="1100" dirty="0">
                 <a:solidFill>
                   <a:srgbClr val="7030A0"/>
                 </a:solidFill>
@@ -5520,7 +5490,7 @@
           <a:p>
             <a:pPr algn="ctr"/>
             <a:r>
-              <a:rPr lang="en-US" sz="1100" dirty="0" smtClean="0">
+              <a:rPr lang="en-US" sz="1100" dirty="0">
                 <a:solidFill>
                   <a:srgbClr val="7030A0"/>
                 </a:solidFill>
@@ -5559,7 +5529,7 @@
           <a:p>
             <a:pPr algn="ctr"/>
             <a:r>
-              <a:rPr lang="en-US" sz="1100" dirty="0" smtClean="0">
+              <a:rPr lang="en-US" sz="1100" dirty="0">
                 <a:solidFill>
                   <a:srgbClr val="7030A0"/>
                 </a:solidFill>
@@ -5598,7 +5568,7 @@
           <a:p>
             <a:pPr algn="ctr"/>
             <a:r>
-              <a:rPr lang="en-US" sz="1100" dirty="0" smtClean="0">
+              <a:rPr lang="en-US" sz="1100" dirty="0">
                 <a:solidFill>
                   <a:srgbClr val="7030A0"/>
                 </a:solidFill>
@@ -5637,7 +5607,7 @@
           <a:p>
             <a:pPr algn="ctr"/>
             <a:r>
-              <a:rPr lang="en-US" sz="1100" dirty="0" smtClean="0">
+              <a:rPr lang="en-US" sz="1100" dirty="0">
                 <a:solidFill>
                   <a:srgbClr val="7030A0"/>
                 </a:solidFill>
@@ -5676,7 +5646,7 @@
           <a:p>
             <a:pPr algn="ctr"/>
             <a:r>
-              <a:rPr lang="en-US" sz="1100" dirty="0" smtClean="0">
+              <a:rPr lang="en-US" sz="1100" dirty="0">
                 <a:solidFill>
                   <a:srgbClr val="7030A0"/>
                 </a:solidFill>
@@ -5715,7 +5685,7 @@
           <a:p>
             <a:pPr algn="ctr"/>
             <a:r>
-              <a:rPr lang="en-US" sz="1100" dirty="0" smtClean="0">
+              <a:rPr lang="en-US" sz="1100" dirty="0">
                 <a:solidFill>
                   <a:srgbClr val="7030A0"/>
                 </a:solidFill>
@@ -5754,7 +5724,7 @@
           <a:p>
             <a:pPr algn="ctr"/>
             <a:r>
-              <a:rPr lang="en-US" sz="1100" dirty="0" smtClean="0">
+              <a:rPr lang="en-US" sz="1100" dirty="0">
                 <a:solidFill>
                   <a:srgbClr val="7030A0"/>
                 </a:solidFill>
@@ -5857,7 +5827,7 @@
           <a:p>
             <a:pPr algn="ctr"/>
             <a:r>
-              <a:rPr lang="en-US" sz="1050" dirty="0" err="1" smtClean="0">
+              <a:rPr lang="en-US" sz="1050" dirty="0" err="1">
                 <a:solidFill>
                   <a:srgbClr val="7030A0"/>
                 </a:solidFill>
@@ -6090,13 +6060,6 @@
   <p:clrMapOvr>
     <a:masterClrMapping/>
   </p:clrMapOvr>
-  <p:timing>
-    <p:tnLst>
-      <p:par>
-        <p:cTn id="1" dur="indefinite" restart="never" nodeType="tmRoot"/>
-      </p:par>
-    </p:tnLst>
-  </p:timing>
 </p:sld>
 </file>
 
